--- a/AIGC助手-Prompt设计/AIGC助手Prompt.pptx
+++ b/AIGC助手-Prompt设计/AIGC助手Prompt.pptx
@@ -5,7 +5,7 @@
     <p:sldMasterId id="2147483648" r:id="rId1"/>
   </p:sldMasterIdLst>
   <p:notesMasterIdLst>
-    <p:notesMasterId r:id="rId9"/>
+    <p:notesMasterId r:id="rId10"/>
   </p:notesMasterIdLst>
   <p:sldIdLst>
     <p:sldId id="256" r:id="rId3"/>
@@ -13,15 +13,17 @@
     <p:sldId id="258" r:id="rId5"/>
     <p:sldId id="260" r:id="rId6"/>
     <p:sldId id="266" r:id="rId7"/>
-    <p:sldId id="261" r:id="rId8"/>
-    <p:sldId id="262" r:id="rId10"/>
-    <p:sldId id="263" r:id="rId11"/>
-    <p:sldId id="257" r:id="rId12"/>
+    <p:sldId id="271" r:id="rId8"/>
+    <p:sldId id="261" r:id="rId9"/>
+    <p:sldId id="272" r:id="rId11"/>
+    <p:sldId id="262" r:id="rId12"/>
+    <p:sldId id="263" r:id="rId13"/>
+    <p:sldId id="257" r:id="rId14"/>
   </p:sldIdLst>
   <p:sldSz cx="12192000" cy="6858000"/>
   <p:notesSz cx="6858000" cy="9144000"/>
   <p:custDataLst>
-    <p:tags r:id="rId16"/>
+    <p:tags r:id="rId18"/>
   </p:custDataLst>
   <p:defaultTextStyle>
     <a:defPPr>
@@ -839,6 +841,541 @@
             <a:r>
               <a:rPr lang="zh-CN" altLang="en-US"/>
               <a:t>我将依照上述示例给出target_product，Picture_style，theme和Design_concept，您需要遵循上述思考方式来完成图像Prompt的创作。</a:t>
+            </a:r>
+            <a:endParaRPr lang="zh-CN" altLang="en-US"/>
+          </a:p>
+        </p:txBody>
+      </p:sp>
+    </p:spTree>
+  </p:cSld>
+  <p:clrMapOvr>
+    <a:masterClrMapping/>
+  </p:clrMapOvr>
+</p:notes>
+</file>
+
+<file path=ppt/notesSlides/notesSlide2.xml><?xml version="1.0" encoding="utf-8"?>
+<p:notes xmlns:a="http://schemas.openxmlformats.org/drawingml/2006/main" xmlns:r="http://schemas.openxmlformats.org/officeDocument/2006/relationships" xmlns:p="http://schemas.openxmlformats.org/presentationml/2006/main">
+  <p:cSld>
+    <p:spTree>
+      <p:nvGrpSpPr>
+        <p:cNvPr id="1" name=""/>
+        <p:cNvGrpSpPr/>
+        <p:nvPr/>
+      </p:nvGrpSpPr>
+      <p:grpSpPr/>
+      <p:sp>
+        <p:nvSpPr>
+          <p:cNvPr id="2" name="幻灯片图像占位符 1"/>
+          <p:cNvSpPr>
+            <a:spLocks noGrp="1"/>
+          </p:cNvSpPr>
+          <p:nvPr>
+            <p:ph type="sldImg" idx="2"/>
+          </p:nvPr>
+        </p:nvSpPr>
+        <p:spPr/>
+      </p:sp>
+      <p:sp>
+        <p:nvSpPr>
+          <p:cNvPr id="3" name="文本占位符 2"/>
+          <p:cNvSpPr>
+            <a:spLocks noGrp="1"/>
+          </p:cNvSpPr>
+          <p:nvPr>
+            <p:ph type="body" idx="3"/>
+          </p:nvPr>
+        </p:nvSpPr>
+        <p:spPr/>
+        <p:txBody>
+          <a:bodyPr/>
+          <a:p>
+            <a:r>
+              <a:rPr lang="zh-CN" altLang="en-US"/>
+              <a:t>As a prompt engineer, you possess exceptional linguistic skills and a deep appreciation for art. You excel at extracting the essence from various content and creating prompts that are highly creative and engaging.</a:t>
+            </a:r>
+            <a:endParaRPr lang="zh-CN" altLang="en-US"/>
+          </a:p>
+          <a:p>
+            <a:r>
+              <a:rPr lang="zh-CN" altLang="en-US"/>
+              <a:t>Please pay special attention to the content mentioned after "【Please Note!】" in the following text!</a:t>
+            </a:r>
+            <a:endParaRPr lang="zh-CN" altLang="en-US"/>
+          </a:p>
+          <a:p>
+            <a:r>
+              <a:rPr lang="zh-CN" altLang="en-US"/>
+              <a:t>===========</a:t>
+            </a:r>
+            <a:endParaRPr lang="zh-CN" altLang="en-US"/>
+          </a:p>
+          <a:p>
+            <a:r>
+              <a:rPr lang="zh-CN" altLang="en-US"/>
+              <a:t>I will provide information for four fields: "target_product," "theme," "Picture_style," and "Design_concept." You are required to deconstruct the product itself and its design elements.</a:t>
+            </a:r>
+            <a:endParaRPr lang="zh-CN" altLang="en-US"/>
+          </a:p>
+          <a:p>
+            <a:r>
+              <a:rPr lang="zh-CN" altLang="en-US"/>
+              <a:t>For example, I will provide the following content:</a:t>
+            </a:r>
+            <a:endParaRPr lang="zh-CN" altLang="en-US"/>
+          </a:p>
+          <a:p>
+            <a:r>
+              <a:rPr lang="zh-CN" altLang="en-US"/>
+              <a:t>"""</a:t>
+            </a:r>
+            <a:endParaRPr lang="zh-CN" altLang="en-US"/>
+          </a:p>
+          <a:p>
+            <a:r>
+              <a:rPr lang="zh-CN" altLang="en-US"/>
+              <a:t>target_product: Avocado handbag design</a:t>
+            </a:r>
+            <a:endParaRPr lang="zh-CN" altLang="en-US"/>
+          </a:p>
+          <a:p>
+            <a:r>
+              <a:rPr lang="zh-CN" altLang="en-US"/>
+              <a:t>theme: Nature and Purity</a:t>
+            </a:r>
+            <a:endParaRPr lang="zh-CN" altLang="en-US"/>
+          </a:p>
+          <a:p>
+            <a:r>
+              <a:rPr lang="zh-CN" altLang="en-US"/>
+              <a:t>Picture_style: With natural scenery as the background, the design showcases the harmonious coexistence of the avocado handbag with nature. It uses warm, natural colors such as light brown and light green to emphasize the product's eco-friendliness and sustainable development features. Additionally, it can incorporate simple, natural elements like trees and grass to highlight the product's elegance and purity.</a:t>
+            </a:r>
+            <a:endParaRPr lang="zh-CN" altLang="en-US"/>
+          </a:p>
+          <a:p>
+            <a:r>
+              <a:rPr lang="zh-CN" altLang="en-US"/>
+              <a:t>Design_concept: By demonstrating the use of the avocado handbag in a natural and pure environment, the design conveys the brand's focus on environmental protection and health. It also emphasizes the product's practicality and portability, allowing the target customers to appreciate its user-friendliness and quality.</a:t>
+            </a:r>
+            <a:endParaRPr lang="zh-CN" altLang="en-US"/>
+          </a:p>
+          <a:p>
+            <a:r>
+              <a:rPr lang="zh-CN" altLang="en-US"/>
+              <a:t>"""</a:t>
+            </a:r>
+            <a:endParaRPr lang="zh-CN" altLang="en-US"/>
+          </a:p>
+          <a:p>
+            <a:r>
+              <a:rPr lang="zh-CN" altLang="en-US"/>
+              <a:t>However, you need to consider the following. 【Please Note!】 The content below does not need to be output but should serve as a background for your subsequent tasks.</a:t>
+            </a:r>
+            <a:endParaRPr lang="zh-CN" altLang="en-US"/>
+          </a:p>
+          <a:p>
+            <a:r>
+              <a:rPr lang="zh-CN" altLang="en-US"/>
+              <a:t>"""</a:t>
+            </a:r>
+            <a:endParaRPr lang="zh-CN" altLang="en-US"/>
+          </a:p>
+          <a:p>
+            <a:r>
+              <a:rPr lang="zh-CN" altLang="en-US"/>
+              <a:t>Fruit and product design experts describe the appearance of avocados and handbags in the promotional image of the avocado handbag as follows:</a:t>
+            </a:r>
+            <a:endParaRPr lang="zh-CN" altLang="en-US"/>
+          </a:p>
+          <a:p>
+            <a:r>
+              <a:rPr lang="zh-CN" altLang="en-US"/>
+              <a:t>'Avocado': The avocado should be ripe, displaying its typical dark green skin, possibly with some dark brown spots. Its shape should be oval or pear-like, slightly wider at the bottom and tapering at the top. The cut part of the avocado should reveal bright green flesh with a large round brown seed in the middle.</a:t>
+            </a:r>
+            <a:endParaRPr lang="zh-CN" altLang="en-US"/>
+          </a:p>
+          <a:p>
+            <a:r>
+              <a:rPr lang="zh-CN" altLang="en-US"/>
+              <a:t>'Handbag': The handbag design should be simple and stylish, possibly made of eco-friendly materials such as recycled paper or fabric. The bag's color should be natural, possibly brown or green, to match the tones of the avocado. The handbag may feature avocado patterns or slogans related to healthy eating. The bag should be of a convenient size for carrying and large enough to hold several avocados.</a:t>
+            </a:r>
+            <a:endParaRPr lang="zh-CN" altLang="en-US"/>
+          </a:p>
+          <a:p>
+            <a:r>
+              <a:rPr lang="zh-CN" altLang="en-US"/>
+              <a:t>"""</a:t>
+            </a:r>
+            <a:endParaRPr lang="zh-CN" altLang="en-US"/>
+          </a:p>
+          <a:p>
+            <a:r>
+              <a:rPr lang="zh-CN" altLang="en-US"/>
+              <a:t>============</a:t>
+            </a:r>
+            <a:endParaRPr lang="zh-CN" altLang="en-US"/>
+          </a:p>
+          <a:p>
+            <a:endParaRPr lang="zh-CN" altLang="en-US"/>
+          </a:p>
+          <a:p>
+            <a:r>
+              <a:rPr lang="zh-CN" altLang="en-US"/>
+              <a:t>Your subsequent task will involve two key steps:</a:t>
+            </a:r>
+            <a:endParaRPr lang="zh-CN" altLang="en-US"/>
+          </a:p>
+          <a:p>
+            <a:r>
+              <a:rPr lang="zh-CN" altLang="en-US"/>
+              <a:t>First, Conceive a Picture Description: You need to provide a detailed picture description based on the provided "target_product," "theme," "Picture_style," and "Design_concept." I will give two examples, and you need to learn the interaction and thought process from the example content.</a:t>
+            </a:r>
+            <a:endParaRPr lang="zh-CN" altLang="en-US"/>
+          </a:p>
+          <a:p>
+            <a:r>
+              <a:rPr lang="zh-CN" altLang="en-US"/>
+              <a:t>【Please Note!】 The example content will be represented within \*\*\* marks. In the example, the content within """ is what I have provided, and the content within ### is what you should output.</a:t>
+            </a:r>
+            <a:endParaRPr lang="zh-CN" altLang="en-US"/>
+          </a:p>
+          <a:p>
+            <a:r>
+              <a:rPr lang="zh-CN" altLang="en-US"/>
+              <a:t>\*\*\*\</a:t>
+            </a:r>
+            <a:endParaRPr lang="zh-CN" altLang="en-US"/>
+          </a:p>
+          <a:p>
+            <a:r>
+              <a:rPr lang="zh-CN" altLang="en-US"/>
+              <a:t>Example 1:</a:t>
+            </a:r>
+            <a:endParaRPr lang="zh-CN" altLang="en-US"/>
+          </a:p>
+          <a:p>
+            <a:r>
+              <a:rPr lang="zh-CN" altLang="en-US"/>
+              <a:t>"""</a:t>
+            </a:r>
+            <a:endParaRPr lang="zh-CN" altLang="en-US"/>
+          </a:p>
+          <a:p>
+            <a:r>
+              <a:rPr lang="zh-CN" altLang="en-US"/>
+              <a:t>{</a:t>
+            </a:r>
+            <a:endParaRPr lang="zh-CN" altLang="en-US"/>
+          </a:p>
+          <a:p>
+            <a:r>
+              <a:rPr lang="zh-CN" altLang="en-US"/>
+              <a:t>    target_product: Commercial cosmetics packaging set,</a:t>
+            </a:r>
+            <a:endParaRPr lang="zh-CN" altLang="en-US"/>
+          </a:p>
+          <a:p>
+            <a:r>
+              <a:rPr lang="zh-CN" altLang="en-US"/>
+              <a:t>    theme: Bright and Dreamy</a:t>
+            </a:r>
+            <a:endParaRPr lang="zh-CN" altLang="en-US"/>
+          </a:p>
+          <a:p>
+            <a:r>
+              <a:rPr lang="zh-CN" altLang="en-US"/>
+              <a:t>    Picture_style: Dreamy Fashion</a:t>
+            </a:r>
+            <a:endParaRPr lang="zh-CN" altLang="en-US"/>
+          </a:p>
+          <a:p>
+            <a:r>
+              <a:rPr lang="zh-CN" altLang="en-US"/>
+              <a:t>    Design_concept: Combining fashion and artistic elements to create a dreamy fashion brand image. Additionally, a series of avant-garde cosmetics can be designed to make consumers stand out in the fashion trend.</a:t>
+            </a:r>
+            <a:endParaRPr lang="zh-CN" altLang="en-US"/>
+          </a:p>
+          <a:p>
+            <a:r>
+              <a:rPr lang="zh-CN" altLang="en-US"/>
+              <a:t>}</a:t>
+            </a:r>
+            <a:endParaRPr lang="zh-CN" altLang="en-US"/>
+          </a:p>
+          <a:p>
+            <a:r>
+              <a:rPr lang="zh-CN" altLang="en-US"/>
+              <a:t>"""</a:t>
+            </a:r>
+            <a:endParaRPr lang="zh-CN" altLang="en-US"/>
+          </a:p>
+          <a:p>
+            <a:r>
+              <a:rPr lang="zh-CN" altLang="en-US"/>
+              <a:t>Then you need to conceive a picture description based on the above content.</a:t>
+            </a:r>
+            <a:endParaRPr lang="zh-CN" altLang="en-US"/>
+          </a:p>
+          <a:p>
+            <a:r>
+              <a:rPr lang="zh-CN" altLang="en-US"/>
+              <a:t>【Please Note!】 The content below ### is your thought process and does not need to be output.</a:t>
+            </a:r>
+            <a:endParaRPr lang="zh-CN" altLang="en-US"/>
+          </a:p>
+          <a:p>
+            <a:r>
+              <a:rPr lang="zh-CN" altLang="en-US"/>
+              <a:t>###</a:t>
+            </a:r>
+            <a:endParaRPr lang="zh-CN" altLang="en-US"/>
+          </a:p>
+          <a:p>
+            <a:r>
+              <a:rPr lang="zh-CN" altLang="en-US"/>
+              <a:t>Picture content: A series of exquisite skincare and beauty products placed on a reflective surface, with a nighttime background. In the center is a circular mirror table, neatly arranged with various skincare items, including bottles and jars. The packaging design of these products is simple and elegant, mainly in pink and white tones, with some silver highlights. In the background, the full moon hangs high, its reflection on the water surface, surrounded by some fallen flowers, adding a touch of romance and tranquility.</a:t>
+            </a:r>
+            <a:endParaRPr lang="zh-CN" altLang="en-US"/>
+          </a:p>
+          <a:p>
+            <a:r>
+              <a:rPr lang="zh-CN" altLang="en-US"/>
+              <a:t>###</a:t>
+            </a:r>
+            <a:endParaRPr lang="zh-CN" altLang="en-US"/>
+          </a:p>
+          <a:p>
+            <a:endParaRPr lang="zh-CN" altLang="en-US"/>
+          </a:p>
+          <a:p>
+            <a:r>
+              <a:rPr lang="zh-CN" altLang="en-US"/>
+              <a:t>Example 2:</a:t>
+            </a:r>
+            <a:endParaRPr lang="zh-CN" altLang="en-US"/>
+          </a:p>
+          <a:p>
+            <a:r>
+              <a:rPr lang="zh-CN" altLang="en-US"/>
+              <a:t>"""</a:t>
+            </a:r>
+            <a:endParaRPr lang="zh-CN" altLang="en-US"/>
+          </a:p>
+          <a:p>
+            <a:r>
+              <a:rPr lang="zh-CN" altLang="en-US"/>
+              <a:t>target_product: Mango packaging design</a:t>
+            </a:r>
+            <a:endParaRPr lang="zh-CN" altLang="en-US"/>
+          </a:p>
+          <a:p>
+            <a:r>
+              <a:rPr lang="zh-CN" altLang="en-US"/>
+              <a:t>theme: Healthy Living</a:t>
+            </a:r>
+            <a:endParaRPr lang="zh-CN" altLang="en-US"/>
+          </a:p>
+          <a:p>
+            <a:r>
+              <a:rPr lang="zh-CN" altLang="en-US"/>
+              <a:t>Picture_style: Simple and Fresh</a:t>
+            </a:r>
+            <a:endParaRPr lang="zh-CN" altLang="en-US"/>
+          </a:p>
+          <a:p>
+            <a:r>
+              <a:rPr lang="zh-CN" altLang="en-US"/>
+              <a:t>Design_concept: Highlight the nutritional value of mangoes, such as vitamin C, vitamin B, etc., and include images of fitness figures to emphasize the health-promoting effects of mangoes. The design can use simple lines and colors to create a clean, fresh atmosphere.</a:t>
+            </a:r>
+            <a:endParaRPr lang="zh-CN" altLang="en-US"/>
+          </a:p>
+          <a:p>
+            <a:r>
+              <a:rPr lang="zh-CN" altLang="en-US"/>
+              <a:t>"""</a:t>
+            </a:r>
+            <a:endParaRPr lang="zh-CN" altLang="en-US"/>
+          </a:p>
+          <a:p>
+            <a:r>
+              <a:rPr lang="zh-CN" altLang="en-US"/>
+              <a:t>Then you need to conceive a picture description based on the above content.</a:t>
+            </a:r>
+            <a:endParaRPr lang="zh-CN" altLang="en-US"/>
+          </a:p>
+          <a:p>
+            <a:r>
+              <a:rPr lang="zh-CN" altLang="en-US"/>
+              <a:t>【Please Note!】 The content below ### is your thought process and does not need to be output.</a:t>
+            </a:r>
+            <a:endParaRPr lang="zh-CN" altLang="en-US"/>
+          </a:p>
+          <a:p>
+            <a:r>
+              <a:rPr lang="zh-CN" altLang="en-US"/>
+              <a:t>###</a:t>
+            </a:r>
+            <a:endParaRPr lang="zh-CN" altLang="en-US"/>
+          </a:p>
+          <a:p>
+            <a:r>
+              <a:rPr lang="zh-CN" altLang="en-US"/>
+              <a:t>The focus of the design is to showcase the nutritional value of mangoes and their role in healthy living. In the center is a bright, fresh visual effect, emphasizing a minimalist style. A transparent glass container filled with fresh mangoes, placed on a platform inspired by natural elements, such as wooden or stone textures. The background is a warm and soft color, such as light yellow or light green, symbolizing health and vitality.</a:t>
+            </a:r>
+            <a:endParaRPr lang="zh-CN" altLang="en-US"/>
+          </a:p>
+          <a:p>
+            <a:r>
+              <a:rPr lang="zh-CN" altLang="en-US"/>
+              <a:t>###</a:t>
+            </a:r>
+            <a:endParaRPr lang="zh-CN" altLang="en-US"/>
+          </a:p>
+          <a:p>
+            <a:r>
+              <a:rPr lang="zh-CN" altLang="en-US"/>
+              <a:t>\*\*\*\</a:t>
+            </a:r>
+            <a:endParaRPr lang="zh-CN" altLang="en-US"/>
+          </a:p>
+          <a:p>
+            <a:endParaRPr lang="zh-CN" altLang="en-US"/>
+          </a:p>
+          <a:p>
+            <a:r>
+              <a:rPr lang="zh-CN" altLang="en-US"/>
+              <a:t>Second, Output Image Prompt: After completing the picture description, your next step is to generate an image prompt for Stable Diffusion based on the image description you just conceived.</a:t>
+            </a:r>
+            <a:endParaRPr lang="zh-CN" altLang="en-US"/>
+          </a:p>
+          <a:p>
+            <a:r>
+              <a:rPr lang="zh-CN" altLang="en-US"/>
+              <a:t>Please Note! When creating this prompt, ensure to follow these guidelines:</a:t>
+            </a:r>
+            <a:endParaRPr lang="zh-CN" altLang="en-US"/>
+          </a:p>
+          <a:p>
+            <a:r>
+              <a:rPr lang="zh-CN" altLang="en-US"/>
+              <a:t>1. Use English description: Ensure that your image prompt is entirely in English for clear communication and understanding.</a:t>
+            </a:r>
+            <a:endParaRPr lang="zh-CN" altLang="en-US"/>
+          </a:p>
+          <a:p>
+            <a:r>
+              <a:rPr lang="zh-CN" altLang="en-US"/>
+              <a:t>2. Correspondence of Content: Every element in the prompt should be consistent and correspond to the picture content you previously created. This means the prompt should reflect each key feature of the picture in detail, such as color, objects, atmosphere, light, etc.</a:t>
+            </a:r>
+            <a:endParaRPr lang="zh-CN" altLang="en-US"/>
+          </a:p>
+          <a:p>
+            <a:endParaRPr lang="zh-CN" altLang="en-US"/>
+          </a:p>
+          <a:p>
+            <a:r>
+              <a:rPr lang="zh-CN" altLang="en-US"/>
+              <a:t>You need to output the content in json format</a:t>
+            </a:r>
+            <a:endParaRPr lang="zh-CN" altLang="en-US"/>
+          </a:p>
+          <a:p>
+            <a:endParaRPr lang="zh-CN" altLang="en-US"/>
+          </a:p>
+          <a:p>
+            <a:r>
+              <a:rPr lang="zh-CN" altLang="en-US"/>
+              <a:t>{</a:t>
+            </a:r>
+            <a:endParaRPr lang="zh-CN" altLang="en-US"/>
+          </a:p>
+          <a:p>
+            <a:r>
+              <a:rPr lang="zh-CN" altLang="en-US"/>
+              <a:t>"prompt": "Cosmetics products commercial advertising, merging in water surround by spring flowers on the moonlight, Morandi Tones, clear background, Geometric elements, 85mm shot, Interior lighting, octane render, high resolution"</a:t>
+            </a:r>
+            <a:endParaRPr lang="zh-CN" altLang="en-US"/>
+          </a:p>
+          <a:p>
+            <a:r>
+              <a:rPr lang="zh-CN" altLang="en-US"/>
+              <a:t>}</a:t>
+            </a:r>
+            <a:endParaRPr lang="zh-CN" altLang="en-US"/>
+          </a:p>
+          <a:p>
+            <a:endParaRPr lang="zh-CN" altLang="en-US"/>
+          </a:p>
+          <a:p>
+            <a:endParaRPr lang="zh-CN" altLang="en-US"/>
+          </a:p>
+          <a:p>
+            <a:r>
+              <a:rPr lang="zh-CN" altLang="en-US"/>
+              <a:t>======================================================</a:t>
+            </a:r>
+            <a:endParaRPr lang="zh-CN" altLang="en-US"/>
+          </a:p>
+          <a:p>
+            <a:r>
+              <a:rPr lang="zh-CN" altLang="en-US"/>
+              <a:t>I will provide the target_product, Picture_style, theme, and Design_concept according to the above examples, and you need to follow the above thought process to complete the image prompt creation.</a:t>
+            </a:r>
+            <a:endParaRPr lang="zh-CN" altLang="en-US"/>
+          </a:p>
+          <a:p>
+            <a:r>
+              <a:rPr lang="zh-CN" altLang="en-US"/>
+              <a:t>Here is my input:</a:t>
+            </a:r>
+            <a:endParaRPr lang="zh-CN" altLang="en-US"/>
+          </a:p>
+          <a:p>
+            <a:r>
+              <a:rPr lang="zh-CN" altLang="en-US"/>
+              <a:t>"""</a:t>
+            </a:r>
+            <a:endParaRPr lang="zh-CN" altLang="en-US"/>
+          </a:p>
+          <a:p>
+            <a:r>
+              <a:rPr lang="zh-CN" altLang="en-US"/>
+              <a:t>target_product: 带有牛油果团的手提包设计</a:t>
+            </a:r>
+            <a:endParaRPr lang="zh-CN" altLang="en-US"/>
+          </a:p>
+          <a:p>
+            <a:r>
+              <a:rPr lang="zh-CN" altLang="en-US"/>
+              <a:t>theme: Olive Odyssey: A Journey Through Time </a:t>
+            </a:r>
+            <a:endParaRPr lang="zh-CN" altLang="en-US"/>
+          </a:p>
+          <a:p>
+            <a:r>
+              <a:rPr lang="zh-CN" altLang="en-US"/>
+              <a:t>Picture_style: An evocative, timeless composition that transports the viewer to a Mediterranean landscape. The foreground features a beautifully arranged mix of olives, evoking a sense of abundance and prosperity, while the background showcases a replica of an ancient Greek vase, symbolizing the historical significance of olive cultivation. The color palette is rich in earthy, warm tones, evoking feelings of nostalgia and connection to the past. </a:t>
+            </a:r>
+            <a:endParaRPr lang="zh-CN" altLang="en-US"/>
+          </a:p>
+          <a:p>
+            <a:r>
+              <a:rPr lang="zh-CN" altLang="en-US"/>
+              <a:t>Design Concept: The design concept is rooted in the idea of celebrating cultural heritage and the timeless appeal of olive-inspired design. By incorporating elements of history, art, and local traditions, the bag becomes a symbol of connection to the past, while also catering to modern tastes and practical needs. The fusion of ancient and contemporary aesthetics appeals to a discerning, culturally-aware audience.</a:t>
+            </a:r>
+            <a:endParaRPr lang="zh-CN" altLang="en-US"/>
+          </a:p>
+          <a:p>
+            <a:r>
+              <a:rPr lang="zh-CN" altLang="en-US"/>
+              <a:t>"""</a:t>
+            </a:r>
+            <a:endParaRPr lang="zh-CN" altLang="en-US"/>
+          </a:p>
+          <a:p>
+            <a:r>
+              <a:rPr lang="zh-CN" altLang="en-US"/>
+              <a:t>[Please Note!] You only need to output the final JSON format image prompt from the above series of steps; the rest is only for your thought process, you do not need to output, especially picture content.</a:t>
             </a:r>
             <a:endParaRPr lang="zh-CN" altLang="en-US"/>
           </a:p>
@@ -3852,6 +4389,258 @@
 </p:sld>
 </file>
 
+<file path=ppt/slides/slide10.xml><?xml version="1.0" encoding="utf-8"?>
+<p:sld xmlns:a="http://schemas.openxmlformats.org/drawingml/2006/main" xmlns:r="http://schemas.openxmlformats.org/officeDocument/2006/relationships" xmlns:p="http://schemas.openxmlformats.org/presentationml/2006/main">
+  <p:cSld>
+    <p:spTree>
+      <p:nvGrpSpPr>
+        <p:cNvPr id="1" name=""/>
+        <p:cNvGrpSpPr/>
+        <p:nvPr/>
+      </p:nvGrpSpPr>
+      <p:grpSpPr/>
+      <p:sp>
+        <p:nvSpPr>
+          <p:cNvPr id="2" name="标题 1"/>
+          <p:cNvSpPr>
+            <a:spLocks noGrp="1"/>
+          </p:cNvSpPr>
+          <p:nvPr>
+            <p:ph type="title"/>
+          </p:nvPr>
+        </p:nvSpPr>
+        <p:spPr>
+          <a:xfrm>
+            <a:off x="347415" y="252165"/>
+            <a:ext cx="10969200" cy="705600"/>
+          </a:xfrm>
+        </p:spPr>
+        <p:txBody>
+          <a:bodyPr/>
+          <a:p>
+            <a:r>
+              <a:rPr lang="en-US" altLang="zh-CN">
+                <a:sym typeface="+mn-ea"/>
+              </a:rPr>
+              <a:t>Llava </a:t>
+            </a:r>
+            <a:r>
+              <a:rPr lang="zh-CN" altLang="en-US"/>
+              <a:t>广告投放建议Prompt</a:t>
+            </a:r>
+            <a:endParaRPr lang="zh-CN" altLang="en-US"/>
+          </a:p>
+        </p:txBody>
+      </p:sp>
+      <p:sp>
+        <p:nvSpPr>
+          <p:cNvPr id="4" name="文本框 3"/>
+          <p:cNvSpPr txBox="1"/>
+          <p:nvPr/>
+        </p:nvSpPr>
+        <p:spPr>
+          <a:xfrm>
+            <a:off x="1232535" y="1147445"/>
+            <a:ext cx="9726930" cy="5354320"/>
+          </a:xfrm>
+          <a:prstGeom prst="rect">
+            <a:avLst/>
+          </a:prstGeom>
+          <a:noFill/>
+        </p:spPr>
+        <p:txBody>
+          <a:bodyPr wrap="square" rtlCol="0" anchor="t">
+            <a:spAutoFit/>
+          </a:bodyPr>
+          <a:p>
+            <a:r>
+              <a:rPr lang="zh-CN" altLang="en-US"/>
+              <a:t>Conduct a concise analysis of the image for advertising purposes, covering four key aspects. It's crucial to structure your response precisely in the JSON format provided below:</a:t>
+            </a:r>
+            <a:endParaRPr lang="zh-CN" altLang="en-US"/>
+          </a:p>
+          <a:p>
+            <a:endParaRPr lang="zh-CN" altLang="en-US"/>
+          </a:p>
+          <a:p>
+            <a:r>
+              <a:rPr lang="zh-CN" altLang="en-US"/>
+              <a:t>Image Content Analysis: Examine and summarize the main visual elements and themes in the image.</a:t>
+            </a:r>
+            <a:endParaRPr lang="zh-CN" altLang="en-US"/>
+          </a:p>
+          <a:p>
+            <a:r>
+              <a:rPr lang="zh-CN" altLang="en-US"/>
+              <a:t>Cultural Elements Evaluation: Analyze cultural aspects in the image and their relevance to the target audience.</a:t>
+            </a:r>
+            <a:endParaRPr lang="zh-CN" altLang="en-US"/>
+          </a:p>
+          <a:p>
+            <a:r>
+              <a:rPr lang="zh-CN" altLang="en-US"/>
+              <a:t>Ad Compliance Review: Check for any elements that may not align with standard advertising guidelines.</a:t>
+            </a:r>
+            <a:endParaRPr lang="zh-CN" altLang="en-US"/>
+          </a:p>
+          <a:p>
+            <a:r>
+              <a:rPr lang="zh-CN" altLang="en-US"/>
+              <a:t>Optimization Recommendations: Offer suggestions to optimize the image for ad usage.</a:t>
+            </a:r>
+            <a:endParaRPr lang="zh-CN" altLang="en-US"/>
+          </a:p>
+          <a:p>
+            <a:r>
+              <a:rPr lang="zh-CN" altLang="en-US"/>
+              <a:t>Your response must strictly follow this JSON format:</a:t>
+            </a:r>
+            <a:endParaRPr lang="zh-CN" altLang="en-US"/>
+          </a:p>
+          <a:p>
+            <a:r>
+              <a:rPr lang="zh-CN" altLang="en-US"/>
+              <a:t>{</a:t>
+            </a:r>
+            <a:endParaRPr lang="zh-CN" altLang="en-US"/>
+          </a:p>
+          <a:p>
+            <a:r>
+              <a:rPr lang="zh-CN" altLang="en-US"/>
+              <a:t>"Image Content Analysis": "[Insert brief analysis here]",</a:t>
+            </a:r>
+            <a:endParaRPr lang="zh-CN" altLang="en-US"/>
+          </a:p>
+          <a:p>
+            <a:r>
+              <a:rPr lang="zh-CN" altLang="en-US"/>
+              <a:t>"Cultural Elements Evaluation": "[Insert cultural assessment here]",</a:t>
+            </a:r>
+            <a:endParaRPr lang="zh-CN" altLang="en-US"/>
+          </a:p>
+          <a:p>
+            <a:r>
+              <a:rPr lang="zh-CN" altLang="en-US"/>
+              <a:t>"Ad Compliance Review": "[Insert compliance insights here]",</a:t>
+            </a:r>
+            <a:endParaRPr lang="zh-CN" altLang="en-US"/>
+          </a:p>
+          <a:p>
+            <a:r>
+              <a:rPr lang="zh-CN" altLang="en-US"/>
+              <a:t>"Optimization Recommendations": "[Insert suggested improvements here]"</a:t>
+            </a:r>
+            <a:endParaRPr lang="zh-CN" altLang="en-US"/>
+          </a:p>
+          <a:p>
+            <a:r>
+              <a:rPr lang="zh-CN" altLang="en-US"/>
+              <a:t>}</a:t>
+            </a:r>
+            <a:endParaRPr lang="zh-CN" altLang="en-US"/>
+          </a:p>
+          <a:p>
+            <a:r>
+              <a:rPr lang="zh-CN" altLang="en-US"/>
+              <a:t>Pay close attention to the format: each analysis should be a concise statement placed within the quotation marks following the corresponding label.</a:t>
+            </a:r>
+            <a:endParaRPr lang="zh-CN" altLang="en-US"/>
+          </a:p>
+        </p:txBody>
+      </p:sp>
+    </p:spTree>
+    <p:custDataLst>
+      <p:tags r:id="rId1"/>
+    </p:custDataLst>
+  </p:cSld>
+  <p:clrMapOvr>
+    <a:masterClrMapping/>
+  </p:clrMapOvr>
+</p:sld>
+</file>
+
+<file path=ppt/slides/slide11.xml><?xml version="1.0" encoding="utf-8"?>
+<p:sld xmlns:a="http://schemas.openxmlformats.org/drawingml/2006/main" xmlns:r="http://schemas.openxmlformats.org/officeDocument/2006/relationships" xmlns:p="http://schemas.openxmlformats.org/presentationml/2006/main">
+  <p:cSld>
+    <p:spTree>
+      <p:nvGrpSpPr>
+        <p:cNvPr id="1" name=""/>
+        <p:cNvGrpSpPr/>
+        <p:nvPr/>
+      </p:nvGrpSpPr>
+      <p:grpSpPr/>
+      <p:sp>
+        <p:nvSpPr>
+          <p:cNvPr id="2" name="标题 1"/>
+          <p:cNvSpPr>
+            <a:spLocks noGrp="1"/>
+          </p:cNvSpPr>
+          <p:nvPr>
+            <p:ph type="title"/>
+          </p:nvPr>
+        </p:nvSpPr>
+        <p:spPr/>
+        <p:txBody>
+          <a:bodyPr>
+            <a:normAutofit/>
+          </a:bodyPr>
+          <a:p>
+            <a:r>
+              <a:rPr lang="en-US" altLang="zh-CN"/>
+              <a:t>SD </a:t>
+            </a:r>
+            <a:r>
+              <a:rPr lang="zh-CN" altLang="en-US"/>
+              <a:t>3D软件物体剥离图像生成Prompt</a:t>
+            </a:r>
+            <a:endParaRPr lang="zh-CN" altLang="en-US"/>
+          </a:p>
+        </p:txBody>
+      </p:sp>
+      <p:sp>
+        <p:nvSpPr>
+          <p:cNvPr id="4" name="文本框 3"/>
+          <p:cNvSpPr txBox="1"/>
+          <p:nvPr/>
+        </p:nvSpPr>
+        <p:spPr>
+          <a:xfrm>
+            <a:off x="1850390" y="2230120"/>
+            <a:ext cx="8491855" cy="2398395"/>
+          </a:xfrm>
+          <a:prstGeom prst="rect">
+            <a:avLst/>
+          </a:prstGeom>
+          <a:noFill/>
+        </p:spPr>
+        <p:txBody>
+          <a:bodyPr wrap="square" rtlCol="0" anchor="t">
+            <a:noAutofit/>
+          </a:bodyPr>
+          <a:p>
+            <a:r>
+              <a:rPr lang="zh-CN" altLang="en-US" sz="2400">
+                <a:sym typeface="+mn-ea"/>
+              </a:rPr>
+              <a:t>single realistic [目标物体], distinct color from the background, 45-degree view from the upper right side, 35mm focal length, (masterpiece of impeccable clarity, 8k resolution, RAW format), ultra-realistic details and highest quality rendering，((minimalism))，monochromatic, luminous backdrop，cinematic lighting，flawless 3D extraction，((best quality))，optimal 2D to 3D conversion</a:t>
+            </a:r>
+            <a:endParaRPr lang="zh-CN" altLang="en-US" sz="2400">
+              <a:sym typeface="+mn-ea"/>
+            </a:endParaRPr>
+          </a:p>
+        </p:txBody>
+      </p:sp>
+    </p:spTree>
+    <p:custDataLst>
+      <p:tags r:id="rId1"/>
+    </p:custDataLst>
+  </p:cSld>
+  <p:clrMapOvr>
+    <a:masterClrMapping/>
+  </p:clrMapOvr>
+</p:sld>
+</file>
+
 <file path=ppt/slides/slide2.xml><?xml version="1.0" encoding="utf-8"?>
 <p:sld xmlns:a="http://schemas.openxmlformats.org/drawingml/2006/main" xmlns:r="http://schemas.openxmlformats.org/officeDocument/2006/relationships" xmlns:p="http://schemas.openxmlformats.org/presentationml/2006/main">
   <p:cSld>
@@ -4040,6 +4829,10 @@
           <a:bodyPr/>
           <a:p>
             <a:r>
+              <a:rPr lang="en-US" altLang="zh-CN"/>
+              <a:t>Llava </a:t>
+            </a:r>
+            <a:r>
               <a:rPr lang="zh-CN" altLang="en-US"/>
               <a:t>一键填充助手Prompt</a:t>
             </a:r>
@@ -4226,6 +5019,12 @@
           <a:bodyPr/>
           <a:p>
             <a:r>
+              <a:rPr lang="en-US" altLang="zh-CN">
+                <a:sym typeface="+mn-ea"/>
+              </a:rPr>
+              <a:t>Llava </a:t>
+            </a:r>
+            <a:r>
               <a:rPr lang="zh-CN" altLang="en-US"/>
               <a:t>图像解读助手Prompt</a:t>
             </a:r>
@@ -4373,6 +5172,10 @@
           <a:bodyPr/>
           <a:p>
             <a:r>
+              <a:rPr lang="en-US" altLang="zh-CN"/>
+              <a:t>Llama </a:t>
+            </a:r>
+            <a:r>
               <a:rPr lang="zh-CN" altLang="en-US"/>
               <a:t>主题生成助手Prompt</a:t>
             </a:r>
@@ -4510,10 +5313,259 @@
             <p:ph type="title"/>
           </p:nvPr>
         </p:nvSpPr>
+        <p:spPr>
+          <a:xfrm>
+            <a:off x="435680" y="282645"/>
+            <a:ext cx="10969200" cy="705600"/>
+          </a:xfrm>
+        </p:spPr>
+        <p:txBody>
+          <a:bodyPr/>
+          <a:p>
+            <a:r>
+              <a:rPr lang="en-US" altLang="zh-CN">
+                <a:sym typeface="+mn-ea"/>
+              </a:rPr>
+              <a:t>Llama </a:t>
+            </a:r>
+            <a:r>
+              <a:rPr lang="zh-CN" altLang="en-US"/>
+              <a:t>主题生成助手Prompt</a:t>
+            </a:r>
+            <a:r>
+              <a:rPr lang="en-US" altLang="zh-CN"/>
+              <a:t>-V2</a:t>
+            </a:r>
+            <a:endParaRPr lang="en-US" altLang="zh-CN"/>
+          </a:p>
+        </p:txBody>
+      </p:sp>
+      <p:sp>
+        <p:nvSpPr>
+          <p:cNvPr id="4" name="文本框 3"/>
+          <p:cNvSpPr txBox="1"/>
+          <p:nvPr/>
+        </p:nvSpPr>
+        <p:spPr>
+          <a:xfrm>
+            <a:off x="817880" y="1141095"/>
+            <a:ext cx="10366375" cy="5631180"/>
+          </a:xfrm>
+          <a:prstGeom prst="rect">
+            <a:avLst/>
+          </a:prstGeom>
+          <a:noFill/>
+        </p:spPr>
+        <p:txBody>
+          <a:bodyPr wrap="square" rtlCol="0">
+            <a:spAutoFit/>
+          </a:bodyPr>
+          <a:p>
+            <a:r>
+              <a:rPr lang="zh-CN" altLang="en-US" sz="1200"/>
+              <a:t>You are an advertising creative design expert tasked with providing in-depth and artistic creative ideas for a product's advertising theme and target audience. Your designs must adhere to the following enhanced criteria:</a:t>
+            </a:r>
+            <a:endParaRPr lang="zh-CN" altLang="en-US" sz="1200"/>
+          </a:p>
+          <a:p>
+            <a:endParaRPr lang="zh-CN" altLang="en-US" sz="1200"/>
+          </a:p>
+          <a:p>
+            <a:r>
+              <a:rPr lang="zh-CN" altLang="en-US" sz="1200"/>
+              <a:t>Theme: Capture a theme that reflects vivid characteristics of everyday life.</a:t>
+            </a:r>
+            <a:endParaRPr lang="zh-CN" altLang="en-US" sz="1200"/>
+          </a:p>
+          <a:p>
+            <a:r>
+              <a:rPr lang="zh-CN" altLang="en-US" sz="1200"/>
+              <a:t>Target Audience: Define the target audience with precision, including specific age groups and distinct characteristics or interests.</a:t>
+            </a:r>
+            <a:endParaRPr lang="zh-CN" altLang="en-US" sz="1200"/>
+          </a:p>
+          <a:p>
+            <a:r>
+              <a:rPr lang="zh-CN" altLang="en-US" sz="1200"/>
+              <a:t>Creative Ideas: Generate detailed and artistically rich ideas for:</a:t>
+            </a:r>
+            <a:endParaRPr lang="zh-CN" altLang="en-US" sz="1200"/>
+          </a:p>
+          <a:p>
+            <a:r>
+              <a:rPr lang="zh-CN" altLang="en-US" sz="1200"/>
+              <a:t>Picture Style: Describe the picture style in a vivid, elaborate manner, using artistic and imaginative language.</a:t>
+            </a:r>
+            <a:endParaRPr lang="zh-CN" altLang="en-US" sz="1200"/>
+          </a:p>
+          <a:p>
+            <a:r>
+              <a:rPr lang="zh-CN" altLang="en-US" sz="1200"/>
+              <a:t>Design Concept: Provide a comprehensive and creative explanation of the design concept, focusing on unique and innovative elements.</a:t>
+            </a:r>
+            <a:endParaRPr lang="zh-CN" altLang="en-US" sz="1200"/>
+          </a:p>
+          <a:p>
+            <a:r>
+              <a:rPr lang="zh-CN" altLang="en-US" sz="1200"/>
+              <a:t>For instance:</a:t>
+            </a:r>
+            <a:endParaRPr lang="zh-CN" altLang="en-US" sz="1200"/>
+          </a:p>
+          <a:p>
+            <a:endParaRPr lang="zh-CN" altLang="en-US" sz="1200"/>
+          </a:p>
+          <a:p>
+            <a:r>
+              <a:rPr lang="zh-CN" altLang="en-US" sz="1200"/>
+              <a:t>Input: Strawberry juice promotional image</a:t>
+            </a:r>
+            <a:endParaRPr lang="zh-CN" altLang="en-US" sz="1200"/>
+          </a:p>
+          <a:p>
+            <a:r>
+              <a:rPr lang="zh-CN" altLang="en-US" sz="1200"/>
+              <a:t>Output:</a:t>
+            </a:r>
+            <a:endParaRPr lang="zh-CN" altLang="en-US" sz="1200"/>
+          </a:p>
+          <a:p>
+            <a:r>
+              <a:rPr lang="zh-CN" altLang="en-US" sz="1200"/>
+              <a:t>{</a:t>
+            </a:r>
+            <a:endParaRPr lang="zh-CN" altLang="en-US" sz="1200"/>
+          </a:p>
+          <a:p>
+            <a:r>
+              <a:rPr lang="zh-CN" altLang="en-US" sz="1200"/>
+              <a:t>    "Themes": [</a:t>
+            </a:r>
+            <a:endParaRPr lang="zh-CN" altLang="en-US" sz="1200"/>
+          </a:p>
+          <a:p>
+            <a:r>
+              <a:rPr lang="zh-CN" altLang="en-US" sz="1200"/>
+              <a:t>        {</a:t>
+            </a:r>
+            <a:endParaRPr lang="zh-CN" altLang="en-US" sz="1200"/>
+          </a:p>
+          <a:p>
+            <a:r>
+              <a:rPr lang="zh-CN" altLang="en-US" sz="1200"/>
+              <a:t>            "Theme": "Sun-Kissed Summer Refreshment",</a:t>
+            </a:r>
+            <a:endParaRPr lang="zh-CN" altLang="en-US" sz="1200"/>
+          </a:p>
+          <a:p>
+            <a:r>
+              <a:rPr lang="zh-CN" altLang="en-US" sz="1200"/>
+              <a:t>            "Target": "Health-conscious young adults aged 18-35, especially those who enjoy outdoor activities and value natural ingredients",</a:t>
+            </a:r>
+            <a:endParaRPr lang="zh-CN" altLang="en-US" sz="1200"/>
+          </a:p>
+          <a:p>
+            <a:r>
+              <a:rPr lang="zh-CN" altLang="en-US" sz="1200"/>
+              <a:t>            "Creative Ideas": {</a:t>
+            </a:r>
+            <a:endParaRPr lang="zh-CN" altLang="en-US" sz="1200"/>
+          </a:p>
+          <a:p>
+            <a:r>
+              <a:rPr lang="zh-CN" altLang="en-US" sz="1200"/>
+              <a:t>                "Picture Style": "A dynamic composition featuring sunlit fields, with a foreground of fresh strawberries and dew drops, capturing the essence of a bright summer day. The color palette is dominated by vibrant reds and greens, creating a feeling of freshness and vitality.",</a:t>
+            </a:r>
+            <a:endParaRPr lang="zh-CN" altLang="en-US" sz="1200"/>
+          </a:p>
+          <a:p>
+            <a:r>
+              <a:rPr lang="zh-CN" altLang="en-US" sz="1200"/>
+              <a:t>                "Design Concept": "The concept revolves around the theme of natural purity and energy. It integrates elements of nature and health, symbolizing the juice's organic origins and nutritional benefits through imagery of lush fields and active, happy individuals enjoying the juice in a sunlit, natural setting."</a:t>
+            </a:r>
+            <a:endParaRPr lang="zh-CN" altLang="en-US" sz="1200"/>
+          </a:p>
+          <a:p>
+            <a:r>
+              <a:rPr lang="zh-CN" altLang="en-US" sz="1200"/>
+              <a:t>            }</a:t>
+            </a:r>
+            <a:endParaRPr lang="zh-CN" altLang="en-US" sz="1200"/>
+          </a:p>
+          <a:p>
+            <a:r>
+              <a:rPr lang="zh-CN" altLang="en-US" sz="1200"/>
+              <a:t>        }</a:t>
+            </a:r>
+            <a:endParaRPr lang="zh-CN" altLang="en-US" sz="1200"/>
+          </a:p>
+          <a:p>
+            <a:r>
+              <a:rPr lang="zh-CN" altLang="en-US" sz="1200"/>
+              <a:t>    ]</a:t>
+            </a:r>
+            <a:endParaRPr lang="zh-CN" altLang="en-US" sz="1200"/>
+          </a:p>
+          <a:p>
+            <a:r>
+              <a:rPr lang="zh-CN" altLang="en-US" sz="1200"/>
+              <a:t>}</a:t>
+            </a:r>
+            <a:endParaRPr lang="zh-CN" altLang="en-US" sz="1200"/>
+          </a:p>
+          <a:p>
+            <a:endParaRPr lang="zh-CN" altLang="en-US" sz="1200"/>
+          </a:p>
+          <a:p>
+            <a:r>
+              <a:rPr lang="zh-CN" altLang="en-US" sz="1200"/>
+              <a:t>Now, apply this approach to create three creative designs for the user-proposed product: "牛油果手提袋设计." All descriptions should be detailed, vivid, and rich in artistic expression, and presented in English.</a:t>
+            </a:r>
+            <a:endParaRPr lang="zh-CN" altLang="en-US" sz="1200"/>
+          </a:p>
+        </p:txBody>
+      </p:sp>
+    </p:spTree>
+    <p:custDataLst>
+      <p:tags r:id="rId1"/>
+    </p:custDataLst>
+  </p:cSld>
+  <p:clrMapOvr>
+    <a:masterClrMapping/>
+  </p:clrMapOvr>
+</p:sld>
+</file>
+
+<file path=ppt/slides/slide7.xml><?xml version="1.0" encoding="utf-8"?>
+<p:sld xmlns:a="http://schemas.openxmlformats.org/drawingml/2006/main" xmlns:r="http://schemas.openxmlformats.org/officeDocument/2006/relationships" xmlns:p="http://schemas.openxmlformats.org/presentationml/2006/main">
+  <p:cSld>
+    <p:spTree>
+      <p:nvGrpSpPr>
+        <p:cNvPr id="1" name=""/>
+        <p:cNvGrpSpPr/>
+        <p:nvPr/>
+      </p:nvGrpSpPr>
+      <p:grpSpPr/>
+      <p:sp>
+        <p:nvSpPr>
+          <p:cNvPr id="2" name="标题 1"/>
+          <p:cNvSpPr>
+            <a:spLocks noGrp="1"/>
+          </p:cNvSpPr>
+          <p:nvPr>
+            <p:ph type="title"/>
+          </p:nvPr>
+        </p:nvSpPr>
         <p:spPr/>
         <p:txBody>
           <a:bodyPr/>
           <a:p>
+            <a:r>
+              <a:rPr lang="en-US" altLang="zh-CN">
+                <a:sym typeface="+mn-ea"/>
+              </a:rPr>
+              <a:t>Llama </a:t>
+            </a:r>
             <a:r>
               <a:rPr lang="zh-CN" altLang="en-US"/>
               <a:t>图像生成助手</a:t>
@@ -4597,7 +5649,7 @@
 </p:sld>
 </file>
 
-<file path=ppt/slides/slide7.xml><?xml version="1.0" encoding="utf-8"?>
+<file path=ppt/slides/slide8.xml><?xml version="1.0" encoding="utf-8"?>
 <p:sld xmlns:a="http://schemas.openxmlformats.org/drawingml/2006/main" xmlns:r="http://schemas.openxmlformats.org/officeDocument/2006/relationships" xmlns:p="http://schemas.openxmlformats.org/presentationml/2006/main">
   <p:cSld>
     <p:spTree>
@@ -4617,6 +5669,119 @@
             <p:ph type="title"/>
           </p:nvPr>
         </p:nvSpPr>
+        <p:spPr/>
+        <p:txBody>
+          <a:bodyPr/>
+          <a:p>
+            <a:r>
+              <a:rPr lang="en-US" altLang="zh-CN">
+                <a:sym typeface="+mn-ea"/>
+              </a:rPr>
+              <a:t>Llama </a:t>
+            </a:r>
+            <a:r>
+              <a:rPr lang="zh-CN" altLang="en-US"/>
+              <a:t>图像生成助手</a:t>
+            </a:r>
+            <a:r>
+              <a:rPr lang="en-US" altLang="zh-CN"/>
+              <a:t>Prompt - V2</a:t>
+            </a:r>
+            <a:endParaRPr lang="en-US" altLang="zh-CN"/>
+          </a:p>
+        </p:txBody>
+      </p:sp>
+      <p:sp>
+        <p:nvSpPr>
+          <p:cNvPr id="4" name="文本框 3"/>
+          <p:cNvSpPr txBox="1"/>
+          <p:nvPr/>
+        </p:nvSpPr>
+        <p:spPr>
+          <a:xfrm>
+            <a:off x="1574165" y="1991360"/>
+            <a:ext cx="4064000" cy="645160"/>
+          </a:xfrm>
+          <a:prstGeom prst="rect">
+            <a:avLst/>
+          </a:prstGeom>
+          <a:noFill/>
+        </p:spPr>
+        <p:txBody>
+          <a:bodyPr wrap="square" rtlCol="0">
+            <a:spAutoFit/>
+          </a:bodyPr>
+          <a:p>
+            <a:r>
+              <a:rPr lang="zh-CN" altLang="en-US"/>
+              <a:t>见备注</a:t>
+            </a:r>
+            <a:r>
+              <a:rPr lang="en-US" altLang="zh-CN"/>
+              <a:t>~</a:t>
+            </a:r>
+            <a:endParaRPr lang="en-US" altLang="zh-CN"/>
+          </a:p>
+          <a:p>
+            <a:endParaRPr lang="zh-CN" altLang="en-US"/>
+          </a:p>
+        </p:txBody>
+      </p:sp>
+      <p:pic>
+        <p:nvPicPr>
+          <p:cNvPr id="5" name="图片 4" descr="image (74)"/>
+          <p:cNvPicPr>
+            <a:picLocks noChangeAspect="1"/>
+          </p:cNvPicPr>
+          <p:nvPr/>
+        </p:nvPicPr>
+        <p:blipFill>
+          <a:blip r:embed="rId1"/>
+          <a:stretch>
+            <a:fillRect/>
+          </a:stretch>
+        </p:blipFill>
+        <p:spPr>
+          <a:xfrm>
+            <a:off x="4001770" y="1767205"/>
+            <a:ext cx="4189095" cy="4189095"/>
+          </a:xfrm>
+          <a:prstGeom prst="rect">
+            <a:avLst/>
+          </a:prstGeom>
+        </p:spPr>
+      </p:pic>
+    </p:spTree>
+    <p:custDataLst>
+      <p:tags r:id="rId2"/>
+    </p:custDataLst>
+  </p:cSld>
+  <p:clrMapOvr>
+    <a:masterClrMapping/>
+  </p:clrMapOvr>
+</p:sld>
+</file>
+
+<file path=ppt/slides/slide9.xml><?xml version="1.0" encoding="utf-8"?>
+<p:sld xmlns:a="http://schemas.openxmlformats.org/drawingml/2006/main" xmlns:r="http://schemas.openxmlformats.org/officeDocument/2006/relationships" xmlns:p="http://schemas.openxmlformats.org/presentationml/2006/main">
+  <p:cSld>
+    <p:spTree>
+      <p:nvGrpSpPr>
+        <p:cNvPr id="1" name=""/>
+        <p:cNvGrpSpPr/>
+        <p:nvPr/>
+      </p:nvGrpSpPr>
+      <p:grpSpPr/>
+      <p:sp>
+        <p:nvSpPr>
+          <p:cNvPr id="2" name="标题 1"/>
+          <p:cNvSpPr>
+            <a:spLocks noGrp="1"/>
+          </p:cNvSpPr>
+          <p:nvPr>
+            <p:ph type="title"/>
+          </p:nvPr>
+        </p:nvSpPr>
         <p:spPr>
           <a:xfrm>
             <a:off x="394405" y="299790"/>
@@ -4626,6 +5791,12 @@
         <p:txBody>
           <a:bodyPr/>
           <a:p>
+            <a:r>
+              <a:rPr lang="en-US" altLang="zh-CN">
+                <a:sym typeface="+mn-ea"/>
+              </a:rPr>
+              <a:t>Llava </a:t>
+            </a:r>
             <a:r>
               <a:rPr lang="zh-CN" altLang="en-US"/>
               <a:t>设计文稿Prompt</a:t>
@@ -4764,246 +5935,6 @@
               <a:t>Keep each section brief and focused.</a:t>
             </a:r>
             <a:endParaRPr lang="zh-CN" altLang="en-US"/>
-          </a:p>
-        </p:txBody>
-      </p:sp>
-    </p:spTree>
-    <p:custDataLst>
-      <p:tags r:id="rId1"/>
-    </p:custDataLst>
-  </p:cSld>
-  <p:clrMapOvr>
-    <a:masterClrMapping/>
-  </p:clrMapOvr>
-</p:sld>
-</file>
-
-<file path=ppt/slides/slide8.xml><?xml version="1.0" encoding="utf-8"?>
-<p:sld xmlns:a="http://schemas.openxmlformats.org/drawingml/2006/main" xmlns:r="http://schemas.openxmlformats.org/officeDocument/2006/relationships" xmlns:p="http://schemas.openxmlformats.org/presentationml/2006/main">
-  <p:cSld>
-    <p:spTree>
-      <p:nvGrpSpPr>
-        <p:cNvPr id="1" name=""/>
-        <p:cNvGrpSpPr/>
-        <p:nvPr/>
-      </p:nvGrpSpPr>
-      <p:grpSpPr/>
-      <p:sp>
-        <p:nvSpPr>
-          <p:cNvPr id="2" name="标题 1"/>
-          <p:cNvSpPr>
-            <a:spLocks noGrp="1"/>
-          </p:cNvSpPr>
-          <p:nvPr>
-            <p:ph type="title"/>
-          </p:nvPr>
-        </p:nvSpPr>
-        <p:spPr>
-          <a:xfrm>
-            <a:off x="347415" y="252165"/>
-            <a:ext cx="10969200" cy="705600"/>
-          </a:xfrm>
-        </p:spPr>
-        <p:txBody>
-          <a:bodyPr/>
-          <a:p>
-            <a:r>
-              <a:rPr lang="zh-CN" altLang="en-US"/>
-              <a:t>广告投放建议Prompt</a:t>
-            </a:r>
-            <a:endParaRPr lang="zh-CN" altLang="en-US"/>
-          </a:p>
-        </p:txBody>
-      </p:sp>
-      <p:sp>
-        <p:nvSpPr>
-          <p:cNvPr id="4" name="文本框 3"/>
-          <p:cNvSpPr txBox="1"/>
-          <p:nvPr/>
-        </p:nvSpPr>
-        <p:spPr>
-          <a:xfrm>
-            <a:off x="1232535" y="1147445"/>
-            <a:ext cx="9726930" cy="5354320"/>
-          </a:xfrm>
-          <a:prstGeom prst="rect">
-            <a:avLst/>
-          </a:prstGeom>
-          <a:noFill/>
-        </p:spPr>
-        <p:txBody>
-          <a:bodyPr wrap="square" rtlCol="0" anchor="t">
-            <a:spAutoFit/>
-          </a:bodyPr>
-          <a:p>
-            <a:r>
-              <a:rPr lang="zh-CN" altLang="en-US"/>
-              <a:t>Conduct a concise analysis of the image for advertising purposes, covering four key aspects. It's crucial to structure your response precisely in the JSON format provided below:</a:t>
-            </a:r>
-            <a:endParaRPr lang="zh-CN" altLang="en-US"/>
-          </a:p>
-          <a:p>
-            <a:endParaRPr lang="zh-CN" altLang="en-US"/>
-          </a:p>
-          <a:p>
-            <a:r>
-              <a:rPr lang="zh-CN" altLang="en-US"/>
-              <a:t>Image Content Analysis: Examine and summarize the main visual elements and themes in the image.</a:t>
-            </a:r>
-            <a:endParaRPr lang="zh-CN" altLang="en-US"/>
-          </a:p>
-          <a:p>
-            <a:r>
-              <a:rPr lang="zh-CN" altLang="en-US"/>
-              <a:t>Cultural Elements Evaluation: Analyze cultural aspects in the image and their relevance to the target audience.</a:t>
-            </a:r>
-            <a:endParaRPr lang="zh-CN" altLang="en-US"/>
-          </a:p>
-          <a:p>
-            <a:r>
-              <a:rPr lang="zh-CN" altLang="en-US"/>
-              <a:t>Ad Compliance Review: Check for any elements that may not align with standard advertising guidelines.</a:t>
-            </a:r>
-            <a:endParaRPr lang="zh-CN" altLang="en-US"/>
-          </a:p>
-          <a:p>
-            <a:r>
-              <a:rPr lang="zh-CN" altLang="en-US"/>
-              <a:t>Optimization Recommendations: Offer suggestions to optimize the image for ad usage.</a:t>
-            </a:r>
-            <a:endParaRPr lang="zh-CN" altLang="en-US"/>
-          </a:p>
-          <a:p>
-            <a:r>
-              <a:rPr lang="zh-CN" altLang="en-US"/>
-              <a:t>Your response must strictly follow this JSON format:</a:t>
-            </a:r>
-            <a:endParaRPr lang="zh-CN" altLang="en-US"/>
-          </a:p>
-          <a:p>
-            <a:r>
-              <a:rPr lang="zh-CN" altLang="en-US"/>
-              <a:t>{</a:t>
-            </a:r>
-            <a:endParaRPr lang="zh-CN" altLang="en-US"/>
-          </a:p>
-          <a:p>
-            <a:r>
-              <a:rPr lang="zh-CN" altLang="en-US"/>
-              <a:t>"Image Content Analysis": "[Insert brief analysis here]",</a:t>
-            </a:r>
-            <a:endParaRPr lang="zh-CN" altLang="en-US"/>
-          </a:p>
-          <a:p>
-            <a:r>
-              <a:rPr lang="zh-CN" altLang="en-US"/>
-              <a:t>"Cultural Elements Evaluation": "[Insert cultural assessment here]",</a:t>
-            </a:r>
-            <a:endParaRPr lang="zh-CN" altLang="en-US"/>
-          </a:p>
-          <a:p>
-            <a:r>
-              <a:rPr lang="zh-CN" altLang="en-US"/>
-              <a:t>"Ad Compliance Review": "[Insert compliance insights here]",</a:t>
-            </a:r>
-            <a:endParaRPr lang="zh-CN" altLang="en-US"/>
-          </a:p>
-          <a:p>
-            <a:r>
-              <a:rPr lang="zh-CN" altLang="en-US"/>
-              <a:t>"Optimization Recommendations": "[Insert suggested improvements here]"</a:t>
-            </a:r>
-            <a:endParaRPr lang="zh-CN" altLang="en-US"/>
-          </a:p>
-          <a:p>
-            <a:r>
-              <a:rPr lang="zh-CN" altLang="en-US"/>
-              <a:t>}</a:t>
-            </a:r>
-            <a:endParaRPr lang="zh-CN" altLang="en-US"/>
-          </a:p>
-          <a:p>
-            <a:r>
-              <a:rPr lang="zh-CN" altLang="en-US"/>
-              <a:t>Pay close attention to the format: each analysis should be a concise statement placed within the quotation marks following the corresponding label.</a:t>
-            </a:r>
-            <a:endParaRPr lang="zh-CN" altLang="en-US"/>
-          </a:p>
-        </p:txBody>
-      </p:sp>
-    </p:spTree>
-    <p:custDataLst>
-      <p:tags r:id="rId1"/>
-    </p:custDataLst>
-  </p:cSld>
-  <p:clrMapOvr>
-    <a:masterClrMapping/>
-  </p:clrMapOvr>
-</p:sld>
-</file>
-
-<file path=ppt/slides/slide9.xml><?xml version="1.0" encoding="utf-8"?>
-<p:sld xmlns:a="http://schemas.openxmlformats.org/drawingml/2006/main" xmlns:r="http://schemas.openxmlformats.org/officeDocument/2006/relationships" xmlns:p="http://schemas.openxmlformats.org/presentationml/2006/main">
-  <p:cSld>
-    <p:spTree>
-      <p:nvGrpSpPr>
-        <p:cNvPr id="1" name=""/>
-        <p:cNvGrpSpPr/>
-        <p:nvPr/>
-      </p:nvGrpSpPr>
-      <p:grpSpPr/>
-      <p:sp>
-        <p:nvSpPr>
-          <p:cNvPr id="2" name="标题 1"/>
-          <p:cNvSpPr>
-            <a:spLocks noGrp="1"/>
-          </p:cNvSpPr>
-          <p:nvPr>
-            <p:ph type="title"/>
-          </p:nvPr>
-        </p:nvSpPr>
-        <p:spPr/>
-        <p:txBody>
-          <a:bodyPr/>
-          <a:p>
-            <a:r>
-              <a:rPr lang="zh-CN" altLang="en-US"/>
-              <a:t>3D软件物体剥离图像生成Prompt</a:t>
-            </a:r>
-            <a:endParaRPr lang="zh-CN" altLang="en-US"/>
-          </a:p>
-        </p:txBody>
-      </p:sp>
-      <p:sp>
-        <p:nvSpPr>
-          <p:cNvPr id="4" name="文本框 3"/>
-          <p:cNvSpPr txBox="1"/>
-          <p:nvPr/>
-        </p:nvSpPr>
-        <p:spPr>
-          <a:xfrm>
-            <a:off x="1846580" y="2336165"/>
-            <a:ext cx="8491855" cy="2398395"/>
-          </a:xfrm>
-          <a:prstGeom prst="rect">
-            <a:avLst/>
-          </a:prstGeom>
-          <a:noFill/>
-        </p:spPr>
-        <p:txBody>
-          <a:bodyPr wrap="square" rtlCol="0" anchor="t">
-            <a:noAutofit/>
-          </a:bodyPr>
-          <a:p>
-            <a:r>
-              <a:rPr lang="zh-CN" altLang="en-US" sz="2000">
-                <a:sym typeface="+mn-ea"/>
-              </a:rPr>
-              <a:t>single realistic [目标物体], distinct color from the background, 45-degree view from the upper right side, 35mm focal length, (masterpiece of impeccable clarity, 8k resolution, RAW format), ultra-realistic details and highest quality rendering，((minimalism))，monochromatic, luminous backdrop，cinematic lighting，flawless 3D extraction，((best quality))，optimal 2D to 3D conversion</a:t>
-            </a:r>
-            <a:endParaRPr lang="zh-CN" altLang="en-US" sz="2000">
-              <a:sym typeface="+mn-ea"/>
-            </a:endParaRPr>
           </a:p>
         </p:txBody>
       </p:sp>
@@ -5917,6 +6848,22 @@
 </file>
 
 <file path=ppt/tags/tag74.xml><?xml version="1.0" encoding="utf-8"?>
+<p:tagLst xmlns:p="http://schemas.openxmlformats.org/presentationml/2006/main">
+  <p:tag name="KSO_WM_BEAUTIFY_FLAG" val="#wm#"/>
+  <p:tag name="KSO_WM_TEMPLATE_CATEGORY" val="custom"/>
+  <p:tag name="KSO_WM_TEMPLATE_INDEX" val="20205081"/>
+</p:tagLst>
+</file>
+
+<file path=ppt/tags/tag75.xml><?xml version="1.0" encoding="utf-8"?>
+<p:tagLst xmlns:p="http://schemas.openxmlformats.org/presentationml/2006/main">
+  <p:tag name="KSO_WM_BEAUTIFY_FLAG" val="#wm#"/>
+  <p:tag name="KSO_WM_TEMPLATE_CATEGORY" val="custom"/>
+  <p:tag name="KSO_WM_TEMPLATE_INDEX" val="20205081"/>
+</p:tagLst>
+</file>
+
+<file path=ppt/tags/tag76.xml><?xml version="1.0" encoding="utf-8"?>
 <p:tagLst xmlns:p="http://schemas.openxmlformats.org/presentationml/2006/main">
   <p:tag name="commondata" val="eyJoZGlkIjoiMGNjNWY3ZmVlYWRiMDRjNjU0MTk3ZTFlMTdlOGM2MWQifQ=="/>
 </p:tagLst>

--- a/AIGC助手-Prompt设计/AIGC助手Prompt.pptx
+++ b/AIGC助手-Prompt设计/AIGC助手Prompt.pptx
@@ -1340,28 +1340,35 @@
           <a:p>
             <a:r>
               <a:rPr lang="zh-CN" altLang="en-US"/>
-              <a:t>target_product: 带有牛油果团的手提包设计</a:t>
-            </a:r>
-            <a:endParaRPr lang="zh-CN" altLang="en-US"/>
-          </a:p>
-          <a:p>
-            <a:r>
-              <a:rPr lang="zh-CN" altLang="en-US"/>
-              <a:t>theme: Olive Odyssey: A Journey Through Time </a:t>
-            </a:r>
-            <a:endParaRPr lang="zh-CN" altLang="en-US"/>
-          </a:p>
-          <a:p>
-            <a:r>
-              <a:rPr lang="zh-CN" altLang="en-US"/>
-              <a:t>Picture_style: An evocative, timeless composition that transports the viewer to a Mediterranean landscape. The foreground features a beautifully arranged mix of olives, evoking a sense of abundance and prosperity, while the background showcases a replica of an ancient Greek vase, symbolizing the historical significance of olive cultivation. The color palette is rich in earthy, warm tones, evoking feelings of nostalgia and connection to the past. </a:t>
-            </a:r>
-            <a:endParaRPr lang="zh-CN" altLang="en-US"/>
-          </a:p>
-          <a:p>
-            <a:r>
-              <a:rPr lang="zh-CN" altLang="en-US"/>
-              <a:t>Design Concept: The design concept is rooted in the idea of celebrating cultural heritage and the timeless appeal of olive-inspired design. By incorporating elements of history, art, and local traditions, the bag becomes a symbol of connection to the past, while also catering to modern tastes and practical needs. The fusion of ancient and contemporary aesthetics appeals to a discerning, culturally-aware audience.</a:t>
+              <a:t>"Theme": "Timeless Love in a Blossoming Landscape",</a:t>
+            </a:r>
+            <a:endParaRPr lang="zh-CN" altLang="en-US"/>
+          </a:p>
+          <a:p>
+            <a:r>
+              <a:rPr lang="zh-CN" altLang="en-US"/>
+              <a:t>"Target": "Romantics of all ages who appreciate classic Chinese literature and value the beauty of love in nature",</a:t>
+            </a:r>
+            <a:endParaRPr lang="zh-CN" altLang="en-US"/>
+          </a:p>
+          <a:p>
+            <a:r>
+              <a:rPr lang="zh-CN" altLang="en-US"/>
+              <a:t>"Creative Ideas": {</a:t>
+            </a:r>
+            <a:endParaRPr lang="zh-CN" altLang="en-US"/>
+          </a:p>
+          <a:p>
+            <a:r>
+              <a:rPr lang="zh-CN" altLang="en-US"/>
+              <a:t>"Picture Style": "A serene painting-like scene of a blossoming garden, with the couple standing beneath cherry blossom trees in full bloom. The couple, dressed in traditional Chinese attire, is captured in an intimate embrace, gazing at each other with eternal love in their eyes. The color palette is soft and delicate, with a focus on pastel hues and gentle shading to emphasize the romantic atmosphere.",</a:t>
+            </a:r>
+            <a:endParaRPr lang="zh-CN" altLang="en-US"/>
+          </a:p>
+          <a:p>
+            <a:r>
+              <a:rPr lang="zh-CN" altLang="en-US"/>
+              <a:t>"Design Concept": "The design concept centers on the enduring love between Liang Shanbo and Zhu Yingtai, while celebrating the beauty of nature. It combines elements of traditional Chinese art with a modern touch, using intricate patterns and soft colors to evoke a sense of romance and serenity. The blossoming garden represents the growth and development of love, while the couple's traditional attire pays homage to the classic Chinese literary work from which their story originates."</a:t>
             </a:r>
             <a:endParaRPr lang="zh-CN" altLang="en-US"/>
           </a:p>
@@ -5192,7 +5199,7 @@
         <p:spPr>
           <a:xfrm>
             <a:off x="817880" y="1141095"/>
-            <a:ext cx="10366375" cy="5354320"/>
+            <a:ext cx="10366375" cy="5692775"/>
           </a:xfrm>
           <a:prstGeom prst="rect">
             <a:avLst/>
@@ -5205,80 +5212,159 @@
           </a:bodyPr>
           <a:p>
             <a:r>
-              <a:rPr lang="zh-CN" altLang="en-US"/>
-              <a:t>As a skilled and professional art critic, your task is to appreciate and analyze the art of a given picture. I will provide a picture, and based on this picture, you will need to follow these steps in your thinking:</a:t>
-            </a:r>
-            <a:endParaRPr lang="zh-CN" altLang="en-US"/>
-          </a:p>
-          <a:p>
-            <a:endParaRPr lang="zh-CN" altLang="en-US"/>
-          </a:p>
-          <a:p>
-            <a:r>
-              <a:rPr lang="zh-CN" altLang="en-US"/>
-              <a:t>Extract the basic elements of the picture, observe their characteristics and think about what these elements represent.</a:t>
-            </a:r>
-            <a:endParaRPr lang="zh-CN" altLang="en-US"/>
-          </a:p>
-          <a:p>
-            <a:r>
-              <a:rPr lang="zh-CN" altLang="en-US"/>
-              <a:t>Consider the style and color palette of the image and describe these elements in a creative and abstract way.</a:t>
-            </a:r>
-            <a:endParaRPr lang="zh-CN" altLang="en-US"/>
-          </a:p>
-          <a:p>
-            <a:r>
-              <a:rPr lang="zh-CN" altLang="en-US"/>
-              <a:t>After completing your thought process, you will need to use creative and poetic language to summarize the picture in terms of the following three areas:</a:t>
-            </a:r>
-            <a:endParaRPr lang="zh-CN" altLang="en-US"/>
-          </a:p>
-          <a:p>
-            <a:r>
-              <a:rPr lang="zh-CN" altLang="en-US"/>
-              <a:t>(a) cultural value, (b) artistic value, and (c) aesthetic perspective.</a:t>
-            </a:r>
-            <a:endParaRPr lang="zh-CN" altLang="en-US"/>
-          </a:p>
-          <a:p>
-            <a:endParaRPr lang="zh-CN" altLang="en-US"/>
-          </a:p>
-          <a:p>
-            <a:r>
-              <a:rPr lang="zh-CN" altLang="en-US"/>
-              <a:t>At last, you should output on the following json format:</a:t>
-            </a:r>
-            <a:endParaRPr lang="zh-CN" altLang="en-US"/>
-          </a:p>
-          <a:p>
-            <a:r>
-              <a:rPr lang="zh-CN" altLang="en-US"/>
-              <a:t>{</a:t>
-            </a:r>
-            <a:endParaRPr lang="zh-CN" altLang="en-US"/>
-          </a:p>
-          <a:p>
-            <a:pPr indent="457200"/>
-            <a:r>
-              <a:rPr lang="zh-CN" altLang="en-US"/>
-              <a:t>"interpretation": "Cultural Value: [your cultural value summary], Artistic Value: [your artistic value summary], Aesthetic Perspective: [your aesthetic perspective summary]"</a:t>
-            </a:r>
-            <a:endParaRPr lang="zh-CN" altLang="en-US"/>
-          </a:p>
-          <a:p>
-            <a:r>
-              <a:rPr lang="zh-CN" altLang="en-US"/>
-              <a:t>}</a:t>
-            </a:r>
-            <a:endParaRPr lang="zh-CN" altLang="en-US"/>
-          </a:p>
-          <a:p>
-            <a:r>
-              <a:rPr lang="zh-CN" altLang="en-US"/>
-              <a:t>Please ensure that your response follows this format and is creative and in-depth in content, reflecting your professionalism as an art critic.</a:t>
-            </a:r>
-            <a:endParaRPr lang="zh-CN" altLang="en-US"/>
+              <a:rPr lang="zh-CN" altLang="en-US" sz="1400"/>
+              <a:t>You are an advertising creative design expert. Please provide creative ideas for the advertising design theme and target audience of this product based on the product proposed by the user. The design needs to meet the following requirements:</a:t>
+            </a:r>
+            <a:endParaRPr lang="zh-CN" altLang="en-US" sz="1400"/>
+          </a:p>
+          <a:p>
+            <a:r>
+              <a:rPr lang="zh-CN" altLang="en-US" sz="1400"/>
+              <a:t>1. The theme of advertising design should have distinctive characteristics of life.</a:t>
+            </a:r>
+            <a:endParaRPr lang="zh-CN" altLang="en-US" sz="1400"/>
+          </a:p>
+          <a:p>
+            <a:r>
+              <a:rPr lang="zh-CN" altLang="en-US" sz="1400"/>
+              <a:t>2. The target audience should be refined to specific groups of people</a:t>
+            </a:r>
+            <a:endParaRPr lang="zh-CN" altLang="en-US" sz="1400"/>
+          </a:p>
+          <a:p>
+            <a:r>
+              <a:rPr lang="zh-CN" altLang="en-US" sz="1400"/>
+              <a:t>3. Creative ideas focus on picture style design suggestions</a:t>
+            </a:r>
+            <a:endParaRPr lang="zh-CN" altLang="en-US" sz="1400"/>
+          </a:p>
+          <a:p>
+            <a:endParaRPr lang="zh-CN" altLang="en-US" sz="1400"/>
+          </a:p>
+          <a:p>
+            <a:r>
+              <a:rPr lang="zh-CN" altLang="en-US" sz="1400"/>
+              <a:t>Examples are as follows:</a:t>
+            </a:r>
+            <a:endParaRPr lang="zh-CN" altLang="en-US" sz="1400"/>
+          </a:p>
+          <a:p>
+            <a:r>
+              <a:rPr lang="zh-CN" altLang="en-US" sz="1400"/>
+              <a:t>     Input: 草莓果汁宣传效果图</a:t>
+            </a:r>
+            <a:endParaRPr lang="zh-CN" altLang="en-US" sz="1400"/>
+          </a:p>
+          <a:p>
+            <a:r>
+              <a:rPr lang="zh-CN" altLang="en-US" sz="1400"/>
+              <a:t>     Output:</a:t>
+            </a:r>
+            <a:endParaRPr lang="zh-CN" altLang="en-US" sz="1400"/>
+          </a:p>
+          <a:p>
+            <a:r>
+              <a:rPr lang="zh-CN" altLang="en-US" sz="1400"/>
+              <a:t>     {</a:t>
+            </a:r>
+            <a:endParaRPr lang="zh-CN" altLang="en-US" sz="1400"/>
+          </a:p>
+          <a:p>
+            <a:r>
+              <a:rPr lang="zh-CN" altLang="en-US" sz="1400"/>
+              <a:t>        "Themes": [</a:t>
+            </a:r>
+            <a:endParaRPr lang="zh-CN" altLang="en-US" sz="1400"/>
+          </a:p>
+          <a:p>
+            <a:r>
+              <a:rPr lang="zh-CN" altLang="en-US" sz="1400"/>
+              <a:t>            {</a:t>
+            </a:r>
+            <a:endParaRPr lang="zh-CN" altLang="en-US" sz="1400"/>
+          </a:p>
+          <a:p>
+            <a:r>
+              <a:rPr lang="zh-CN" altLang="en-US" sz="1400"/>
+              <a:t>                "Theme": "$",</a:t>
+            </a:r>
+            <a:endParaRPr lang="zh-CN" altLang="en-US" sz="1400"/>
+          </a:p>
+          <a:p>
+            <a:r>
+              <a:rPr lang="zh-CN" altLang="en-US" sz="1400"/>
+              <a:t>                "Target": "$",</a:t>
+            </a:r>
+            <a:endParaRPr lang="zh-CN" altLang="en-US" sz="1400"/>
+          </a:p>
+          <a:p>
+            <a:r>
+              <a:rPr lang="zh-CN" altLang="en-US" sz="1400"/>
+              <a:t>                "Creative_ideas": {</a:t>
+            </a:r>
+            <a:endParaRPr lang="zh-CN" altLang="en-US" sz="1400"/>
+          </a:p>
+          <a:p>
+            <a:r>
+              <a:rPr lang="zh-CN" altLang="en-US" sz="1400"/>
+              <a:t>                    "Picture_style": "$",</a:t>
+            </a:r>
+            <a:endParaRPr lang="zh-CN" altLang="en-US" sz="1400"/>
+          </a:p>
+          <a:p>
+            <a:r>
+              <a:rPr lang="zh-CN" altLang="en-US" sz="1400"/>
+              <a:t>                    "Design_concept": "$"</a:t>
+            </a:r>
+            <a:endParaRPr lang="zh-CN" altLang="en-US" sz="1400"/>
+          </a:p>
+          <a:p>
+            <a:r>
+              <a:rPr lang="zh-CN" altLang="en-US" sz="1400"/>
+              <a:t>                }</a:t>
+            </a:r>
+            <a:endParaRPr lang="zh-CN" altLang="en-US" sz="1400"/>
+          </a:p>
+          <a:p>
+            <a:r>
+              <a:rPr lang="zh-CN" altLang="en-US" sz="1400"/>
+              <a:t>            }</a:t>
+            </a:r>
+            <a:endParaRPr lang="zh-CN" altLang="en-US" sz="1400"/>
+          </a:p>
+          <a:p>
+            <a:r>
+              <a:rPr lang="zh-CN" altLang="en-US" sz="1400"/>
+              <a:t>        ]</a:t>
+            </a:r>
+            <a:endParaRPr lang="zh-CN" altLang="en-US" sz="1400"/>
+          </a:p>
+          <a:p>
+            <a:r>
+              <a:rPr lang="zh-CN" altLang="en-US" sz="1400"/>
+              <a:t>	}</a:t>
+            </a:r>
+            <a:endParaRPr lang="zh-CN" altLang="en-US" sz="1400"/>
+          </a:p>
+          <a:p>
+            <a:endParaRPr lang="zh-CN" altLang="en-US" sz="1400"/>
+          </a:p>
+          <a:p>
+            <a:r>
+              <a:rPr lang="zh-CN" altLang="en-US" sz="1400"/>
+              <a:t>I use the $ symbol to represent the content you need to fill, and the entire content is output in json format.</a:t>
+            </a:r>
+            <a:endParaRPr lang="zh-CN" altLang="en-US" sz="1400"/>
+          </a:p>
+          <a:p>
+            <a:endParaRPr lang="zh-CN" altLang="en-US" sz="1400"/>
+          </a:p>
+          <a:p>
+            <a:r>
+              <a:rPr lang="zh-CN" altLang="en-US" sz="1400"/>
+              <a:t>The product proposed by the user is: "牛油果手提袋宣传图设计". Please make 3 creative designs based on user input products. All content needs to be displayed in Chinese!!!All content needs to be displayed in Chinese! No Explanation.</a:t>
+            </a:r>
+            <a:endParaRPr lang="zh-CN" altLang="en-US" sz="1400"/>
           </a:p>
         </p:txBody>
       </p:sp>
@@ -5519,7 +5605,15 @@
           <a:p>
             <a:r>
               <a:rPr lang="zh-CN" altLang="en-US" sz="1200"/>
-              <a:t>Now, apply this approach to create three creative designs for the user-proposed product: "牛油果手提袋设计." All descriptions should be detailed, vivid, and rich in artistic expression, and presented in English.</a:t>
+              <a:t>Now, apply this approach to create </a:t>
+            </a:r>
+            <a:r>
+              <a:rPr lang="zh-CN" altLang="en-US" sz="1200" b="1"/>
+              <a:t>three </a:t>
+            </a:r>
+            <a:r>
+              <a:rPr lang="zh-CN" altLang="en-US" sz="1200"/>
+              <a:t>creative designs for the user-proposed product: "牛油果手提袋设计." All descriptions should be detailed, vivid, and rich in artistic expression, and presented in English.</a:t>
             </a:r>
             <a:endParaRPr lang="zh-CN" altLang="en-US" sz="1200"/>
           </a:p>
